--- a/Mid Term Exam/poster.pptx
+++ b/Mid Term Exam/poster.pptx
@@ -261,7 +261,7 @@
           <a:p>
             <a:fld id="{8C971B66-CE7A-4E0B-B912-88C4629FB28A}" type="datetimeFigureOut">
               <a:rPr lang="en-PK" smtClean="0"/>
-              <a:t>30/10/2025</a:t>
+              <a:t>31/10/2025</a:t>
             </a:fld>
             <a:endParaRPr lang="en-PK"/>
           </a:p>
@@ -461,7 +461,7 @@
           <a:p>
             <a:fld id="{8C971B66-CE7A-4E0B-B912-88C4629FB28A}" type="datetimeFigureOut">
               <a:rPr lang="en-PK" smtClean="0"/>
-              <a:t>30/10/2025</a:t>
+              <a:t>31/10/2025</a:t>
             </a:fld>
             <a:endParaRPr lang="en-PK"/>
           </a:p>
@@ -671,7 +671,7 @@
           <a:p>
             <a:fld id="{8C971B66-CE7A-4E0B-B912-88C4629FB28A}" type="datetimeFigureOut">
               <a:rPr lang="en-PK" smtClean="0"/>
-              <a:t>30/10/2025</a:t>
+              <a:t>31/10/2025</a:t>
             </a:fld>
             <a:endParaRPr lang="en-PK"/>
           </a:p>
@@ -871,7 +871,7 @@
           <a:p>
             <a:fld id="{8C971B66-CE7A-4E0B-B912-88C4629FB28A}" type="datetimeFigureOut">
               <a:rPr lang="en-PK" smtClean="0"/>
-              <a:t>30/10/2025</a:t>
+              <a:t>31/10/2025</a:t>
             </a:fld>
             <a:endParaRPr lang="en-PK"/>
           </a:p>
@@ -1147,7 +1147,7 @@
           <a:p>
             <a:fld id="{8C971B66-CE7A-4E0B-B912-88C4629FB28A}" type="datetimeFigureOut">
               <a:rPr lang="en-PK" smtClean="0"/>
-              <a:t>30/10/2025</a:t>
+              <a:t>31/10/2025</a:t>
             </a:fld>
             <a:endParaRPr lang="en-PK"/>
           </a:p>
@@ -1415,7 +1415,7 @@
           <a:p>
             <a:fld id="{8C971B66-CE7A-4E0B-B912-88C4629FB28A}" type="datetimeFigureOut">
               <a:rPr lang="en-PK" smtClean="0"/>
-              <a:t>30/10/2025</a:t>
+              <a:t>31/10/2025</a:t>
             </a:fld>
             <a:endParaRPr lang="en-PK"/>
           </a:p>
@@ -1830,7 +1830,7 @@
           <a:p>
             <a:fld id="{8C971B66-CE7A-4E0B-B912-88C4629FB28A}" type="datetimeFigureOut">
               <a:rPr lang="en-PK" smtClean="0"/>
-              <a:t>30/10/2025</a:t>
+              <a:t>31/10/2025</a:t>
             </a:fld>
             <a:endParaRPr lang="en-PK"/>
           </a:p>
@@ -1972,7 +1972,7 @@
           <a:p>
             <a:fld id="{8C971B66-CE7A-4E0B-B912-88C4629FB28A}" type="datetimeFigureOut">
               <a:rPr lang="en-PK" smtClean="0"/>
-              <a:t>30/10/2025</a:t>
+              <a:t>31/10/2025</a:t>
             </a:fld>
             <a:endParaRPr lang="en-PK"/>
           </a:p>
@@ -2085,7 +2085,7 @@
           <a:p>
             <a:fld id="{8C971B66-CE7A-4E0B-B912-88C4629FB28A}" type="datetimeFigureOut">
               <a:rPr lang="en-PK" smtClean="0"/>
-              <a:t>30/10/2025</a:t>
+              <a:t>31/10/2025</a:t>
             </a:fld>
             <a:endParaRPr lang="en-PK"/>
           </a:p>
@@ -2398,7 +2398,7 @@
           <a:p>
             <a:fld id="{8C971B66-CE7A-4E0B-B912-88C4629FB28A}" type="datetimeFigureOut">
               <a:rPr lang="en-PK" smtClean="0"/>
-              <a:t>30/10/2025</a:t>
+              <a:t>31/10/2025</a:t>
             </a:fld>
             <a:endParaRPr lang="en-PK"/>
           </a:p>
@@ -2687,7 +2687,7 @@
           <a:p>
             <a:fld id="{8C971B66-CE7A-4E0B-B912-88C4629FB28A}" type="datetimeFigureOut">
               <a:rPr lang="en-PK" smtClean="0"/>
-              <a:t>30/10/2025</a:t>
+              <a:t>31/10/2025</a:t>
             </a:fld>
             <a:endParaRPr lang="en-PK"/>
           </a:p>
@@ -2930,7 +2930,7 @@
           <a:p>
             <a:fld id="{8C971B66-CE7A-4E0B-B912-88C4629FB28A}" type="datetimeFigureOut">
               <a:rPr lang="en-PK" smtClean="0"/>
-              <a:t>30/10/2025</a:t>
+              <a:t>31/10/2025</a:t>
             </a:fld>
             <a:endParaRPr lang="en-PK"/>
           </a:p>
@@ -3421,7 +3421,7 @@
           </p:nvSpPr>
           <p:spPr>
             <a:xfrm>
-              <a:off x="4152900" y="-47709"/>
+              <a:off x="4085844" y="-32013"/>
               <a:ext cx="3733800" cy="2194559"/>
             </a:xfrm>
             <a:prstGeom prst="flowChartInternalStorage">
@@ -3461,6 +3461,16 @@
             <a:bodyPr rtlCol="0" anchor="ctr"/>
             <a:lstStyle/>
             <a:p>
+              <a:endParaRPr lang="en-US" sz="2800" b="1" dirty="0">
+                <a:solidFill>
+                  <a:schemeClr val="tx2">
+                    <a:lumMod val="75000"/>
+                    <a:lumOff val="25000"/>
+                  </a:schemeClr>
+                </a:solidFill>
+              </a:endParaRPr>
+            </a:p>
+            <a:p>
               <a:r>
                 <a:rPr lang="en-US" sz="2800" b="1" dirty="0">
                   <a:solidFill>
@@ -3499,7 +3509,22 @@
             <a:p>
               <a:r>
                 <a:rPr lang="en-US" sz="1100" dirty="0"/>
-                <a:t>Hospital Emergency Queue System</a:t>
+                <a:t>Hospital Emergency Queue System.</a:t>
+              </a:r>
+            </a:p>
+            <a:p>
+              <a:endParaRPr lang="en-US" sz="1100" dirty="0"/>
+            </a:p>
+            <a:p>
+              <a:r>
+                <a:rPr lang="en-US" sz="1100" dirty="0"/>
+                <a:t>To manage it efficiently for critical ,</a:t>
+              </a:r>
+            </a:p>
+            <a:p>
+              <a:r>
+                <a:rPr lang="en-US" sz="1100" dirty="0"/>
+                <a:t>special or normal walk in patients.</a:t>
               </a:r>
             </a:p>
             <a:p>
@@ -3945,6 +3970,71 @@
           </p:txBody>
         </p:sp>
       </p:grpSp>
+      <p:sp>
+        <p:nvSpPr>
+          <p:cNvPr id="5" name="Flowchart: Multidocument 4">
+            <a:extLst>
+              <a:ext uri="{FF2B5EF4-FFF2-40B4-BE49-F238E27FC236}">
+                <a16:creationId xmlns:a16="http://schemas.microsoft.com/office/drawing/2014/main" id="{4D4EDDA3-BE3A-C362-E1CF-04E13E0CDDCB}"/>
+              </a:ext>
+            </a:extLst>
+          </p:cNvPr>
+          <p:cNvSpPr/>
+          <p:nvPr/>
+        </p:nvSpPr>
+        <p:spPr>
+          <a:xfrm>
+            <a:off x="10831068" y="4817065"/>
+            <a:ext cx="1069848" cy="951357"/>
+          </a:xfrm>
+          <a:prstGeom prst="flowChartMultidocument">
+            <a:avLst/>
+          </a:prstGeom>
+          <a:ln/>
+        </p:spPr>
+        <p:style>
+          <a:lnRef idx="1">
+            <a:schemeClr val="accent4"/>
+          </a:lnRef>
+          <a:fillRef idx="2">
+            <a:schemeClr val="accent4"/>
+          </a:fillRef>
+          <a:effectRef idx="1">
+            <a:schemeClr val="accent4"/>
+          </a:effectRef>
+          <a:fontRef idx="minor">
+            <a:schemeClr val="dk1"/>
+          </a:fontRef>
+        </p:style>
+        <p:txBody>
+          <a:bodyPr rtlCol="0" anchor="ctr"/>
+          <a:lstStyle/>
+          <a:p>
+            <a:pPr algn="ctr"/>
+            <a:r>
+              <a:rPr lang="en-US" b="1" dirty="0">
+                <a:solidFill>
+                  <a:schemeClr val="tx2">
+                    <a:lumMod val="75000"/>
+                    <a:lumOff val="25000"/>
+                  </a:schemeClr>
+                </a:solidFill>
+                <a:latin typeface="Agency FB" panose="020B0503020202020204" pitchFamily="34" charset="0"/>
+              </a:rPr>
+              <a:t>Video</a:t>
+            </a:r>
+            <a:endParaRPr lang="en-PK" b="1" dirty="0">
+              <a:solidFill>
+                <a:schemeClr val="tx2">
+                  <a:lumMod val="75000"/>
+                  <a:lumOff val="25000"/>
+                </a:schemeClr>
+              </a:solidFill>
+              <a:latin typeface="Agency FB" panose="020B0503020202020204" pitchFamily="34" charset="0"/>
+            </a:endParaRPr>
+          </a:p>
+        </p:txBody>
+      </p:sp>
     </p:spTree>
     <p:extLst>
       <p:ext uri="{BB962C8B-B14F-4D97-AF65-F5344CB8AC3E}">
